--- a/presentations/figures.pptx
+++ b/presentations/figures.pptx
@@ -6,6 +6,7 @@
   </p:sldMasterIdLst>
   <p:sldIdLst>
     <p:sldId id="256" r:id="rId2"/>
+    <p:sldId id="257" r:id="rId3"/>
   </p:sldIdLst>
   <p:sldSz cx="12192000" cy="6858000"/>
   <p:notesSz cx="6858000" cy="9144000"/>
@@ -104,6 +105,11 @@
       </a:defRPr>
     </a:lvl9pPr>
   </p:defaultTextStyle>
+  <p:extLst>
+    <p:ext uri="{EFAFB233-063F-42B5-8137-9DF3F51BA10A}">
+      <p15:sldGuideLst xmlns:p15="http://schemas.microsoft.com/office/powerpoint/2012/main"/>
+    </p:ext>
+  </p:extLst>
 </p:presentation>
 </file>
 
@@ -254,7 +260,7 @@
           <a:p>
             <a:fld id="{0E20CE46-3ACE-F64A-8854-FBA0A957D5BA}" type="datetimeFigureOut">
               <a:rPr lang="en-GB" smtClean="0"/>
-              <a:t>20/07/2021</a:t>
+              <a:t>27/07/2021</a:t>
             </a:fld>
             <a:endParaRPr lang="en-GB"/>
           </a:p>
@@ -452,7 +458,7 @@
           <a:p>
             <a:fld id="{0E20CE46-3ACE-F64A-8854-FBA0A957D5BA}" type="datetimeFigureOut">
               <a:rPr lang="en-GB" smtClean="0"/>
-              <a:t>20/07/2021</a:t>
+              <a:t>27/07/2021</a:t>
             </a:fld>
             <a:endParaRPr lang="en-GB"/>
           </a:p>
@@ -660,7 +666,7 @@
           <a:p>
             <a:fld id="{0E20CE46-3ACE-F64A-8854-FBA0A957D5BA}" type="datetimeFigureOut">
               <a:rPr lang="en-GB" smtClean="0"/>
-              <a:t>20/07/2021</a:t>
+              <a:t>27/07/2021</a:t>
             </a:fld>
             <a:endParaRPr lang="en-GB"/>
           </a:p>
@@ -858,7 +864,7 @@
           <a:p>
             <a:fld id="{0E20CE46-3ACE-F64A-8854-FBA0A957D5BA}" type="datetimeFigureOut">
               <a:rPr lang="en-GB" smtClean="0"/>
-              <a:t>20/07/2021</a:t>
+              <a:t>27/07/2021</a:t>
             </a:fld>
             <a:endParaRPr lang="en-GB"/>
           </a:p>
@@ -1133,7 +1139,7 @@
           <a:p>
             <a:fld id="{0E20CE46-3ACE-F64A-8854-FBA0A957D5BA}" type="datetimeFigureOut">
               <a:rPr lang="en-GB" smtClean="0"/>
-              <a:t>20/07/2021</a:t>
+              <a:t>27/07/2021</a:t>
             </a:fld>
             <a:endParaRPr lang="en-GB"/>
           </a:p>
@@ -1398,7 +1404,7 @@
           <a:p>
             <a:fld id="{0E20CE46-3ACE-F64A-8854-FBA0A957D5BA}" type="datetimeFigureOut">
               <a:rPr lang="en-GB" smtClean="0"/>
-              <a:t>20/07/2021</a:t>
+              <a:t>27/07/2021</a:t>
             </a:fld>
             <a:endParaRPr lang="en-GB"/>
           </a:p>
@@ -1810,7 +1816,7 @@
           <a:p>
             <a:fld id="{0E20CE46-3ACE-F64A-8854-FBA0A957D5BA}" type="datetimeFigureOut">
               <a:rPr lang="en-GB" smtClean="0"/>
-              <a:t>20/07/2021</a:t>
+              <a:t>27/07/2021</a:t>
             </a:fld>
             <a:endParaRPr lang="en-GB"/>
           </a:p>
@@ -1951,7 +1957,7 @@
           <a:p>
             <a:fld id="{0E20CE46-3ACE-F64A-8854-FBA0A957D5BA}" type="datetimeFigureOut">
               <a:rPr lang="en-GB" smtClean="0"/>
-              <a:t>20/07/2021</a:t>
+              <a:t>27/07/2021</a:t>
             </a:fld>
             <a:endParaRPr lang="en-GB"/>
           </a:p>
@@ -2064,7 +2070,7 @@
           <a:p>
             <a:fld id="{0E20CE46-3ACE-F64A-8854-FBA0A957D5BA}" type="datetimeFigureOut">
               <a:rPr lang="en-GB" smtClean="0"/>
-              <a:t>20/07/2021</a:t>
+              <a:t>27/07/2021</a:t>
             </a:fld>
             <a:endParaRPr lang="en-GB"/>
           </a:p>
@@ -2375,7 +2381,7 @@
           <a:p>
             <a:fld id="{0E20CE46-3ACE-F64A-8854-FBA0A957D5BA}" type="datetimeFigureOut">
               <a:rPr lang="en-GB" smtClean="0"/>
-              <a:t>20/07/2021</a:t>
+              <a:t>27/07/2021</a:t>
             </a:fld>
             <a:endParaRPr lang="en-GB"/>
           </a:p>
@@ -2663,7 +2669,7 @@
           <a:p>
             <a:fld id="{0E20CE46-3ACE-F64A-8854-FBA0A957D5BA}" type="datetimeFigureOut">
               <a:rPr lang="en-GB" smtClean="0"/>
-              <a:t>20/07/2021</a:t>
+              <a:t>27/07/2021</a:t>
             </a:fld>
             <a:endParaRPr lang="en-GB"/>
           </a:p>
@@ -2904,7 +2910,7 @@
           <a:p>
             <a:fld id="{0E20CE46-3ACE-F64A-8854-FBA0A957D5BA}" type="datetimeFigureOut">
               <a:rPr lang="en-GB" smtClean="0"/>
-              <a:t>20/07/2021</a:t>
+              <a:t>27/07/2021</a:t>
             </a:fld>
             <a:endParaRPr lang="en-GB"/>
           </a:p>
@@ -11379,6 +11385,364 @@
 </p:sld>
 </file>
 
+<file path=ppt/slides/slide2.xml><?xml version="1.0" encoding="utf-8"?>
+<p:sld xmlns:a="http://schemas.openxmlformats.org/drawingml/2006/main" xmlns:r="http://schemas.openxmlformats.org/officeDocument/2006/relationships" xmlns:p="http://schemas.openxmlformats.org/presentationml/2006/main">
+  <p:cSld>
+    <p:spTree>
+      <p:nvGrpSpPr>
+        <p:cNvPr id="1" name=""/>
+        <p:cNvGrpSpPr/>
+        <p:nvPr/>
+      </p:nvGrpSpPr>
+      <p:grpSpPr>
+        <a:xfrm>
+          <a:off x="0" y="0"/>
+          <a:ext cx="0" cy="0"/>
+          <a:chOff x="0" y="0"/>
+          <a:chExt cx="0" cy="0"/>
+        </a:xfrm>
+      </p:grpSpPr>
+      <p:grpSp>
+        <p:nvGrpSpPr>
+          <p:cNvPr id="22" name="Group 21">
+            <a:extLst>
+              <a:ext uri="{FF2B5EF4-FFF2-40B4-BE49-F238E27FC236}">
+                <a16:creationId xmlns:a16="http://schemas.microsoft.com/office/drawing/2014/main" id="{BB83BD7A-7116-7B41-9983-FC3F7EC46D05}"/>
+              </a:ext>
+            </a:extLst>
+          </p:cNvPr>
+          <p:cNvGrpSpPr/>
+          <p:nvPr/>
+        </p:nvGrpSpPr>
+        <p:grpSpPr>
+          <a:xfrm>
+            <a:off x="5241934" y="-498924"/>
+            <a:ext cx="3960000" cy="3960000"/>
+            <a:chOff x="5241934" y="-498924"/>
+            <a:chExt cx="3960000" cy="3960000"/>
+          </a:xfrm>
+        </p:grpSpPr>
+        <p:sp>
+          <p:nvSpPr>
+            <p:cNvPr id="15" name="Oval 14">
+              <a:extLst>
+                <a:ext uri="{FF2B5EF4-FFF2-40B4-BE49-F238E27FC236}">
+                  <a16:creationId xmlns:a16="http://schemas.microsoft.com/office/drawing/2014/main" id="{C3F7FF7C-5E3A-5246-B2F2-ED2D07FA93AC}"/>
+                </a:ext>
+              </a:extLst>
+            </p:cNvPr>
+            <p:cNvSpPr>
+              <a:spLocks noChangeAspect="1"/>
+            </p:cNvSpPr>
+            <p:nvPr/>
+          </p:nvSpPr>
+          <p:spPr>
+            <a:xfrm>
+              <a:off x="5241934" y="-498924"/>
+              <a:ext cx="3960000" cy="3960000"/>
+            </a:xfrm>
+            <a:prstGeom prst="ellipse">
+              <a:avLst/>
+            </a:prstGeom>
+            <a:solidFill>
+              <a:srgbClr val="FD8D62">
+                <a:alpha val="50000"/>
+              </a:srgbClr>
+            </a:solidFill>
+            <a:ln>
+              <a:noFill/>
+            </a:ln>
+          </p:spPr>
+          <p:style>
+            <a:lnRef idx="2">
+              <a:schemeClr val="accent1">
+                <a:shade val="50000"/>
+              </a:schemeClr>
+            </a:lnRef>
+            <a:fillRef idx="1">
+              <a:schemeClr val="accent1"/>
+            </a:fillRef>
+            <a:effectRef idx="0">
+              <a:schemeClr val="accent1"/>
+            </a:effectRef>
+            <a:fontRef idx="minor">
+              <a:schemeClr val="lt1"/>
+            </a:fontRef>
+          </p:style>
+          <p:txBody>
+            <a:bodyPr rtlCol="0" anchor="ctr"/>
+            <a:lstStyle/>
+            <a:p>
+              <a:pPr algn="ctr"/>
+              <a:endParaRPr lang="en-GB" dirty="0"/>
+            </a:p>
+          </p:txBody>
+        </p:sp>
+        <p:sp>
+          <p:nvSpPr>
+            <p:cNvPr id="20" name="Oval 19">
+              <a:extLst>
+                <a:ext uri="{FF2B5EF4-FFF2-40B4-BE49-F238E27FC236}">
+                  <a16:creationId xmlns:a16="http://schemas.microsoft.com/office/drawing/2014/main" id="{2D7A1268-2A47-4547-8338-048F387D5B86}"/>
+                </a:ext>
+              </a:extLst>
+            </p:cNvPr>
+            <p:cNvSpPr>
+              <a:spLocks noChangeAspect="1"/>
+            </p:cNvSpPr>
+            <p:nvPr/>
+          </p:nvSpPr>
+          <p:spPr>
+            <a:xfrm>
+              <a:off x="5781934" y="41076"/>
+              <a:ext cx="2880000" cy="2880000"/>
+            </a:xfrm>
+            <a:prstGeom prst="ellipse">
+              <a:avLst/>
+            </a:prstGeom>
+            <a:solidFill>
+              <a:srgbClr val="FD8D62">
+                <a:alpha val="50000"/>
+              </a:srgbClr>
+            </a:solidFill>
+            <a:ln>
+              <a:noFill/>
+            </a:ln>
+          </p:spPr>
+          <p:style>
+            <a:lnRef idx="2">
+              <a:schemeClr val="accent1">
+                <a:shade val="50000"/>
+              </a:schemeClr>
+            </a:lnRef>
+            <a:fillRef idx="1">
+              <a:schemeClr val="accent1"/>
+            </a:fillRef>
+            <a:effectRef idx="0">
+              <a:schemeClr val="accent1"/>
+            </a:effectRef>
+            <a:fontRef idx="minor">
+              <a:schemeClr val="lt1"/>
+            </a:fontRef>
+          </p:style>
+          <p:txBody>
+            <a:bodyPr rtlCol="0" anchor="ctr"/>
+            <a:lstStyle/>
+            <a:p>
+              <a:pPr algn="ctr"/>
+              <a:endParaRPr lang="en-GB" dirty="0"/>
+            </a:p>
+          </p:txBody>
+        </p:sp>
+        <p:sp>
+          <p:nvSpPr>
+            <p:cNvPr id="21" name="Oval 20">
+              <a:extLst>
+                <a:ext uri="{FF2B5EF4-FFF2-40B4-BE49-F238E27FC236}">
+                  <a16:creationId xmlns:a16="http://schemas.microsoft.com/office/drawing/2014/main" id="{55EE2EEA-C62F-1E4E-A669-6A9ADCDFCB97}"/>
+                </a:ext>
+              </a:extLst>
+            </p:cNvPr>
+            <p:cNvSpPr>
+              <a:spLocks noChangeAspect="1"/>
+            </p:cNvSpPr>
+            <p:nvPr/>
+          </p:nvSpPr>
+          <p:spPr>
+            <a:xfrm>
+              <a:off x="6321934" y="581076"/>
+              <a:ext cx="1800000" cy="1800000"/>
+            </a:xfrm>
+            <a:prstGeom prst="ellipse">
+              <a:avLst/>
+            </a:prstGeom>
+            <a:solidFill>
+              <a:srgbClr val="FD8D62">
+                <a:alpha val="50000"/>
+              </a:srgbClr>
+            </a:solidFill>
+            <a:ln>
+              <a:noFill/>
+            </a:ln>
+          </p:spPr>
+          <p:style>
+            <a:lnRef idx="2">
+              <a:schemeClr val="accent1">
+                <a:shade val="50000"/>
+              </a:schemeClr>
+            </a:lnRef>
+            <a:fillRef idx="1">
+              <a:schemeClr val="accent1"/>
+            </a:fillRef>
+            <a:effectRef idx="0">
+              <a:schemeClr val="accent1"/>
+            </a:effectRef>
+            <a:fontRef idx="minor">
+              <a:schemeClr val="lt1"/>
+            </a:fontRef>
+          </p:style>
+          <p:txBody>
+            <a:bodyPr rtlCol="0" anchor="ctr"/>
+            <a:lstStyle/>
+            <a:p>
+              <a:pPr algn="ctr"/>
+              <a:endParaRPr lang="en-GB" dirty="0"/>
+            </a:p>
+          </p:txBody>
+        </p:sp>
+      </p:grpSp>
+      <p:sp>
+        <p:nvSpPr>
+          <p:cNvPr id="23" name="Rectangle 22">
+            <a:extLst>
+              <a:ext uri="{FF2B5EF4-FFF2-40B4-BE49-F238E27FC236}">
+                <a16:creationId xmlns:a16="http://schemas.microsoft.com/office/drawing/2014/main" id="{094AC622-4B7F-C54B-9C9A-E8C9969FC41C}"/>
+              </a:ext>
+            </a:extLst>
+          </p:cNvPr>
+          <p:cNvSpPr/>
+          <p:nvPr/>
+        </p:nvSpPr>
+        <p:spPr>
+          <a:xfrm>
+            <a:off x="986971" y="1698171"/>
+            <a:ext cx="10348686" cy="1915886"/>
+          </a:xfrm>
+          <a:prstGeom prst="rect">
+            <a:avLst/>
+          </a:prstGeom>
+          <a:solidFill>
+            <a:schemeClr val="bg1"/>
+          </a:solidFill>
+          <a:ln>
+            <a:noFill/>
+          </a:ln>
+        </p:spPr>
+        <p:style>
+          <a:lnRef idx="2">
+            <a:schemeClr val="accent1">
+              <a:shade val="50000"/>
+            </a:schemeClr>
+          </a:lnRef>
+          <a:fillRef idx="1">
+            <a:schemeClr val="accent1"/>
+          </a:fillRef>
+          <a:effectRef idx="0">
+            <a:schemeClr val="accent1"/>
+          </a:effectRef>
+          <a:fontRef idx="minor">
+            <a:schemeClr val="lt1"/>
+          </a:fontRef>
+        </p:style>
+        <p:txBody>
+          <a:bodyPr rtlCol="0" anchor="ctr"/>
+          <a:lstStyle/>
+          <a:p>
+            <a:pPr algn="ctr"/>
+            <a:r>
+              <a:rPr lang="en-GB" dirty="0"/>
+              <a:t>c</a:t>
+            </a:r>
+          </a:p>
+        </p:txBody>
+      </p:sp>
+      <p:sp>
+        <p:nvSpPr>
+          <p:cNvPr id="25" name="Rectangle 24">
+            <a:extLst>
+              <a:ext uri="{FF2B5EF4-FFF2-40B4-BE49-F238E27FC236}">
+                <a16:creationId xmlns:a16="http://schemas.microsoft.com/office/drawing/2014/main" id="{6B3408A2-DD1A-8E4D-AEEE-67D5E8A5B3FB}"/>
+              </a:ext>
+            </a:extLst>
+          </p:cNvPr>
+          <p:cNvSpPr/>
+          <p:nvPr/>
+        </p:nvSpPr>
+        <p:spPr>
+          <a:xfrm>
+            <a:off x="986971" y="-663219"/>
+            <a:ext cx="10348686" cy="1915886"/>
+          </a:xfrm>
+          <a:prstGeom prst="rect">
+            <a:avLst/>
+          </a:prstGeom>
+          <a:solidFill>
+            <a:schemeClr val="bg1"/>
+          </a:solidFill>
+          <a:ln>
+            <a:noFill/>
+          </a:ln>
+        </p:spPr>
+        <p:style>
+          <a:lnRef idx="2">
+            <a:schemeClr val="accent1">
+              <a:shade val="50000"/>
+            </a:schemeClr>
+          </a:lnRef>
+          <a:fillRef idx="1">
+            <a:schemeClr val="accent1"/>
+          </a:fillRef>
+          <a:effectRef idx="0">
+            <a:schemeClr val="accent1"/>
+          </a:effectRef>
+          <a:fontRef idx="minor">
+            <a:schemeClr val="lt1"/>
+          </a:fontRef>
+        </p:style>
+        <p:txBody>
+          <a:bodyPr rtlCol="0" anchor="ctr"/>
+          <a:lstStyle/>
+          <a:p>
+            <a:pPr algn="ctr"/>
+            <a:r>
+              <a:rPr lang="en-GB" dirty="0"/>
+              <a:t>c</a:t>
+            </a:r>
+          </a:p>
+        </p:txBody>
+      </p:sp>
+      <p:pic>
+        <p:nvPicPr>
+          <p:cNvPr id="14" name="Picture 13">
+            <a:extLst>
+              <a:ext uri="{FF2B5EF4-FFF2-40B4-BE49-F238E27FC236}">
+                <a16:creationId xmlns:a16="http://schemas.microsoft.com/office/drawing/2014/main" id="{04EB8BCE-5451-364C-A3B0-9CC18DED233A}"/>
+              </a:ext>
+            </a:extLst>
+          </p:cNvPr>
+          <p:cNvPicPr>
+            <a:picLocks noChangeAspect="1"/>
+          </p:cNvPicPr>
+          <p:nvPr/>
+        </p:nvPicPr>
+        <p:blipFill>
+          <a:blip r:embed="rId2"/>
+          <a:srcRect l="27005" r="27005"/>
+          <a:stretch/>
+        </p:blipFill>
+        <p:spPr>
+          <a:xfrm>
+            <a:off x="694308" y="1006324"/>
+            <a:ext cx="10882911" cy="953105"/>
+          </a:xfrm>
+          <a:prstGeom prst="rect">
+            <a:avLst/>
+          </a:prstGeom>
+        </p:spPr>
+      </p:pic>
+    </p:spTree>
+    <p:extLst>
+      <p:ext uri="{BB962C8B-B14F-4D97-AF65-F5344CB8AC3E}">
+        <p14:creationId xmlns:p14="http://schemas.microsoft.com/office/powerpoint/2010/main" val="2300953119"/>
+      </p:ext>
+    </p:extLst>
+  </p:cSld>
+  <p:clrMapOvr>
+    <a:masterClrMapping/>
+  </p:clrMapOvr>
+</p:sld>
+</file>
+
 <file path=ppt/theme/theme1.xml><?xml version="1.0" encoding="utf-8"?>
 <a:theme xmlns:a="http://schemas.openxmlformats.org/drawingml/2006/main" name="Office Theme">
   <a:themeElements>

--- a/presentations/figures.pptx
+++ b/presentations/figures.pptx
@@ -7,6 +7,7 @@
   <p:sldIdLst>
     <p:sldId id="256" r:id="rId2"/>
     <p:sldId id="257" r:id="rId3"/>
+    <p:sldId id="258" r:id="rId4"/>
   </p:sldIdLst>
   <p:sldSz cx="12192000" cy="6858000"/>
   <p:notesSz cx="6858000" cy="9144000"/>
@@ -260,7 +261,7 @@
           <a:p>
             <a:fld id="{0E20CE46-3ACE-F64A-8854-FBA0A957D5BA}" type="datetimeFigureOut">
               <a:rPr lang="en-GB" smtClean="0"/>
-              <a:t>27/07/2021</a:t>
+              <a:t>28/07/2021</a:t>
             </a:fld>
             <a:endParaRPr lang="en-GB"/>
           </a:p>
@@ -458,7 +459,7 @@
           <a:p>
             <a:fld id="{0E20CE46-3ACE-F64A-8854-FBA0A957D5BA}" type="datetimeFigureOut">
               <a:rPr lang="en-GB" smtClean="0"/>
-              <a:t>27/07/2021</a:t>
+              <a:t>28/07/2021</a:t>
             </a:fld>
             <a:endParaRPr lang="en-GB"/>
           </a:p>
@@ -666,7 +667,7 @@
           <a:p>
             <a:fld id="{0E20CE46-3ACE-F64A-8854-FBA0A957D5BA}" type="datetimeFigureOut">
               <a:rPr lang="en-GB" smtClean="0"/>
-              <a:t>27/07/2021</a:t>
+              <a:t>28/07/2021</a:t>
             </a:fld>
             <a:endParaRPr lang="en-GB"/>
           </a:p>
@@ -864,7 +865,7 @@
           <a:p>
             <a:fld id="{0E20CE46-3ACE-F64A-8854-FBA0A957D5BA}" type="datetimeFigureOut">
               <a:rPr lang="en-GB" smtClean="0"/>
-              <a:t>27/07/2021</a:t>
+              <a:t>28/07/2021</a:t>
             </a:fld>
             <a:endParaRPr lang="en-GB"/>
           </a:p>
@@ -1139,7 +1140,7 @@
           <a:p>
             <a:fld id="{0E20CE46-3ACE-F64A-8854-FBA0A957D5BA}" type="datetimeFigureOut">
               <a:rPr lang="en-GB" smtClean="0"/>
-              <a:t>27/07/2021</a:t>
+              <a:t>28/07/2021</a:t>
             </a:fld>
             <a:endParaRPr lang="en-GB"/>
           </a:p>
@@ -1404,7 +1405,7 @@
           <a:p>
             <a:fld id="{0E20CE46-3ACE-F64A-8854-FBA0A957D5BA}" type="datetimeFigureOut">
               <a:rPr lang="en-GB" smtClean="0"/>
-              <a:t>27/07/2021</a:t>
+              <a:t>28/07/2021</a:t>
             </a:fld>
             <a:endParaRPr lang="en-GB"/>
           </a:p>
@@ -1816,7 +1817,7 @@
           <a:p>
             <a:fld id="{0E20CE46-3ACE-F64A-8854-FBA0A957D5BA}" type="datetimeFigureOut">
               <a:rPr lang="en-GB" smtClean="0"/>
-              <a:t>27/07/2021</a:t>
+              <a:t>28/07/2021</a:t>
             </a:fld>
             <a:endParaRPr lang="en-GB"/>
           </a:p>
@@ -1957,7 +1958,7 @@
           <a:p>
             <a:fld id="{0E20CE46-3ACE-F64A-8854-FBA0A957D5BA}" type="datetimeFigureOut">
               <a:rPr lang="en-GB" smtClean="0"/>
-              <a:t>27/07/2021</a:t>
+              <a:t>28/07/2021</a:t>
             </a:fld>
             <a:endParaRPr lang="en-GB"/>
           </a:p>
@@ -2070,7 +2071,7 @@
           <a:p>
             <a:fld id="{0E20CE46-3ACE-F64A-8854-FBA0A957D5BA}" type="datetimeFigureOut">
               <a:rPr lang="en-GB" smtClean="0"/>
-              <a:t>27/07/2021</a:t>
+              <a:t>28/07/2021</a:t>
             </a:fld>
             <a:endParaRPr lang="en-GB"/>
           </a:p>
@@ -2381,7 +2382,7 @@
           <a:p>
             <a:fld id="{0E20CE46-3ACE-F64A-8854-FBA0A957D5BA}" type="datetimeFigureOut">
               <a:rPr lang="en-GB" smtClean="0"/>
-              <a:t>27/07/2021</a:t>
+              <a:t>28/07/2021</a:t>
             </a:fld>
             <a:endParaRPr lang="en-GB"/>
           </a:p>
@@ -2669,7 +2670,7 @@
           <a:p>
             <a:fld id="{0E20CE46-3ACE-F64A-8854-FBA0A957D5BA}" type="datetimeFigureOut">
               <a:rPr lang="en-GB" smtClean="0"/>
-              <a:t>27/07/2021</a:t>
+              <a:t>28/07/2021</a:t>
             </a:fld>
             <a:endParaRPr lang="en-GB"/>
           </a:p>
@@ -2910,7 +2911,7 @@
           <a:p>
             <a:fld id="{0E20CE46-3ACE-F64A-8854-FBA0A957D5BA}" type="datetimeFigureOut">
               <a:rPr lang="en-GB" smtClean="0"/>
-              <a:t>27/07/2021</a:t>
+              <a:t>28/07/2021</a:t>
             </a:fld>
             <a:endParaRPr lang="en-GB"/>
           </a:p>
@@ -11404,10 +11405,10 @@
       </p:grpSpPr>
       <p:grpSp>
         <p:nvGrpSpPr>
-          <p:cNvPr id="22" name="Group 21">
+          <p:cNvPr id="4" name="Group 3">
             <a:extLst>
               <a:ext uri="{FF2B5EF4-FFF2-40B4-BE49-F238E27FC236}">
-                <a16:creationId xmlns:a16="http://schemas.microsoft.com/office/drawing/2014/main" id="{BB83BD7A-7116-7B41-9983-FC3F7EC46D05}"/>
+                <a16:creationId xmlns:a16="http://schemas.microsoft.com/office/drawing/2014/main" id="{4D5151A2-E59D-1A43-A06C-FD8649B9C031}"/>
               </a:ext>
             </a:extLst>
           </p:cNvPr>
@@ -11416,38 +11417,223 @@
         </p:nvGrpSpPr>
         <p:grpSpPr>
           <a:xfrm>
-            <a:off x="5241934" y="-498924"/>
-            <a:ext cx="3960000" cy="3960000"/>
-            <a:chOff x="5241934" y="-498924"/>
-            <a:chExt cx="3960000" cy="3960000"/>
+            <a:off x="662776" y="-1687982"/>
+            <a:ext cx="10882911" cy="7785907"/>
+            <a:chOff x="662776" y="-1687982"/>
+            <a:chExt cx="10882911" cy="7785907"/>
           </a:xfrm>
         </p:grpSpPr>
-        <p:sp>
-          <p:nvSpPr>
-            <p:cNvPr id="15" name="Oval 14">
+        <p:grpSp>
+          <p:nvGrpSpPr>
+            <p:cNvPr id="22" name="Group 21">
               <a:extLst>
                 <a:ext uri="{FF2B5EF4-FFF2-40B4-BE49-F238E27FC236}">
-                  <a16:creationId xmlns:a16="http://schemas.microsoft.com/office/drawing/2014/main" id="{C3F7FF7C-5E3A-5246-B2F2-ED2D07FA93AC}"/>
+                  <a16:creationId xmlns:a16="http://schemas.microsoft.com/office/drawing/2014/main" id="{BB83BD7A-7116-7B41-9983-FC3F7EC46D05}"/>
                 </a:ext>
               </a:extLst>
             </p:cNvPr>
-            <p:cNvSpPr>
-              <a:spLocks noChangeAspect="1"/>
-            </p:cNvSpPr>
+            <p:cNvGrpSpPr/>
+            <p:nvPr/>
+          </p:nvGrpSpPr>
+          <p:grpSpPr>
+            <a:xfrm>
+              <a:off x="5210402" y="-1523687"/>
+              <a:ext cx="3960000" cy="3960000"/>
+              <a:chOff x="5241934" y="-498924"/>
+              <a:chExt cx="3960000" cy="3960000"/>
+            </a:xfrm>
+          </p:grpSpPr>
+          <p:sp>
+            <p:nvSpPr>
+              <p:cNvPr id="15" name="Oval 14">
+                <a:extLst>
+                  <a:ext uri="{FF2B5EF4-FFF2-40B4-BE49-F238E27FC236}">
+                    <a16:creationId xmlns:a16="http://schemas.microsoft.com/office/drawing/2014/main" id="{C3F7FF7C-5E3A-5246-B2F2-ED2D07FA93AC}"/>
+                  </a:ext>
+                </a:extLst>
+              </p:cNvPr>
+              <p:cNvSpPr>
+                <a:spLocks noChangeAspect="1"/>
+              </p:cNvSpPr>
+              <p:nvPr/>
+            </p:nvSpPr>
+            <p:spPr>
+              <a:xfrm>
+                <a:off x="5241934" y="-498924"/>
+                <a:ext cx="3960000" cy="3960000"/>
+              </a:xfrm>
+              <a:prstGeom prst="ellipse">
+                <a:avLst/>
+              </a:prstGeom>
+              <a:solidFill>
+                <a:srgbClr val="FD8D62">
+                  <a:alpha val="50000"/>
+                </a:srgbClr>
+              </a:solidFill>
+              <a:ln>
+                <a:noFill/>
+              </a:ln>
+            </p:spPr>
+            <p:style>
+              <a:lnRef idx="2">
+                <a:schemeClr val="accent1">
+                  <a:shade val="50000"/>
+                </a:schemeClr>
+              </a:lnRef>
+              <a:fillRef idx="1">
+                <a:schemeClr val="accent1"/>
+              </a:fillRef>
+              <a:effectRef idx="0">
+                <a:schemeClr val="accent1"/>
+              </a:effectRef>
+              <a:fontRef idx="minor">
+                <a:schemeClr val="lt1"/>
+              </a:fontRef>
+            </p:style>
+            <p:txBody>
+              <a:bodyPr rtlCol="0" anchor="ctr"/>
+              <a:lstStyle/>
+              <a:p>
+                <a:pPr algn="ctr"/>
+                <a:endParaRPr lang="en-GB" dirty="0"/>
+              </a:p>
+            </p:txBody>
+          </p:sp>
+          <p:sp>
+            <p:nvSpPr>
+              <p:cNvPr id="20" name="Oval 19">
+                <a:extLst>
+                  <a:ext uri="{FF2B5EF4-FFF2-40B4-BE49-F238E27FC236}">
+                    <a16:creationId xmlns:a16="http://schemas.microsoft.com/office/drawing/2014/main" id="{2D7A1268-2A47-4547-8338-048F387D5B86}"/>
+                  </a:ext>
+                </a:extLst>
+              </p:cNvPr>
+              <p:cNvSpPr>
+                <a:spLocks noChangeAspect="1"/>
+              </p:cNvSpPr>
+              <p:nvPr/>
+            </p:nvSpPr>
+            <p:spPr>
+              <a:xfrm>
+                <a:off x="5781934" y="41076"/>
+                <a:ext cx="2880000" cy="2880000"/>
+              </a:xfrm>
+              <a:prstGeom prst="ellipse">
+                <a:avLst/>
+              </a:prstGeom>
+              <a:solidFill>
+                <a:srgbClr val="FD8D62">
+                  <a:alpha val="50000"/>
+                </a:srgbClr>
+              </a:solidFill>
+              <a:ln>
+                <a:noFill/>
+              </a:ln>
+            </p:spPr>
+            <p:style>
+              <a:lnRef idx="2">
+                <a:schemeClr val="accent1">
+                  <a:shade val="50000"/>
+                </a:schemeClr>
+              </a:lnRef>
+              <a:fillRef idx="1">
+                <a:schemeClr val="accent1"/>
+              </a:fillRef>
+              <a:effectRef idx="0">
+                <a:schemeClr val="accent1"/>
+              </a:effectRef>
+              <a:fontRef idx="minor">
+                <a:schemeClr val="lt1"/>
+              </a:fontRef>
+            </p:style>
+            <p:txBody>
+              <a:bodyPr rtlCol="0" anchor="ctr"/>
+              <a:lstStyle/>
+              <a:p>
+                <a:pPr algn="ctr"/>
+                <a:endParaRPr lang="en-GB" dirty="0"/>
+              </a:p>
+            </p:txBody>
+          </p:sp>
+          <p:sp>
+            <p:nvSpPr>
+              <p:cNvPr id="21" name="Oval 20">
+                <a:extLst>
+                  <a:ext uri="{FF2B5EF4-FFF2-40B4-BE49-F238E27FC236}">
+                    <a16:creationId xmlns:a16="http://schemas.microsoft.com/office/drawing/2014/main" id="{55EE2EEA-C62F-1E4E-A669-6A9ADCDFCB97}"/>
+                  </a:ext>
+                </a:extLst>
+              </p:cNvPr>
+              <p:cNvSpPr>
+                <a:spLocks noChangeAspect="1"/>
+              </p:cNvSpPr>
+              <p:nvPr/>
+            </p:nvSpPr>
+            <p:spPr>
+              <a:xfrm>
+                <a:off x="6321934" y="581076"/>
+                <a:ext cx="1800000" cy="1800000"/>
+              </a:xfrm>
+              <a:prstGeom prst="ellipse">
+                <a:avLst/>
+              </a:prstGeom>
+              <a:solidFill>
+                <a:srgbClr val="FD8D62">
+                  <a:alpha val="50000"/>
+                </a:srgbClr>
+              </a:solidFill>
+              <a:ln>
+                <a:noFill/>
+              </a:ln>
+            </p:spPr>
+            <p:style>
+              <a:lnRef idx="2">
+                <a:schemeClr val="accent1">
+                  <a:shade val="50000"/>
+                </a:schemeClr>
+              </a:lnRef>
+              <a:fillRef idx="1">
+                <a:schemeClr val="accent1"/>
+              </a:fillRef>
+              <a:effectRef idx="0">
+                <a:schemeClr val="accent1"/>
+              </a:effectRef>
+              <a:fontRef idx="minor">
+                <a:schemeClr val="lt1"/>
+              </a:fontRef>
+            </p:style>
+            <p:txBody>
+              <a:bodyPr rtlCol="0" anchor="ctr"/>
+              <a:lstStyle/>
+              <a:p>
+                <a:pPr algn="ctr"/>
+                <a:endParaRPr lang="en-GB" dirty="0"/>
+              </a:p>
+            </p:txBody>
+          </p:sp>
+        </p:grpSp>
+        <p:sp>
+          <p:nvSpPr>
+            <p:cNvPr id="23" name="Rectangle 22">
+              <a:extLst>
+                <a:ext uri="{FF2B5EF4-FFF2-40B4-BE49-F238E27FC236}">
+                  <a16:creationId xmlns:a16="http://schemas.microsoft.com/office/drawing/2014/main" id="{094AC622-4B7F-C54B-9C9A-E8C9969FC41C}"/>
+                </a:ext>
+              </a:extLst>
+            </p:cNvPr>
+            <p:cNvSpPr/>
             <p:nvPr/>
           </p:nvSpPr>
           <p:spPr>
             <a:xfrm>
-              <a:off x="5241934" y="-498924"/>
-              <a:ext cx="3960000" cy="3960000"/>
+              <a:off x="955439" y="673408"/>
+              <a:ext cx="10348686" cy="1915886"/>
             </a:xfrm>
-            <a:prstGeom prst="ellipse">
+            <a:prstGeom prst="rect">
               <a:avLst/>
             </a:prstGeom>
             <a:solidFill>
-              <a:srgbClr val="FD8D62">
-                <a:alpha val="50000"/>
-              </a:srgbClr>
+              <a:schemeClr val="bg1"/>
             </a:solidFill>
             <a:ln>
               <a:noFill/>
@@ -11474,36 +11660,35 @@
             <a:lstStyle/>
             <a:p>
               <a:pPr algn="ctr"/>
-              <a:endParaRPr lang="en-GB" dirty="0"/>
+              <a:r>
+                <a:rPr lang="en-GB" dirty="0"/>
+                <a:t>c</a:t>
+              </a:r>
             </a:p>
           </p:txBody>
         </p:sp>
         <p:sp>
           <p:nvSpPr>
-            <p:cNvPr id="20" name="Oval 19">
+            <p:cNvPr id="25" name="Rectangle 24">
               <a:extLst>
                 <a:ext uri="{FF2B5EF4-FFF2-40B4-BE49-F238E27FC236}">
-                  <a16:creationId xmlns:a16="http://schemas.microsoft.com/office/drawing/2014/main" id="{2D7A1268-2A47-4547-8338-048F387D5B86}"/>
+                  <a16:creationId xmlns:a16="http://schemas.microsoft.com/office/drawing/2014/main" id="{6B3408A2-DD1A-8E4D-AEEE-67D5E8A5B3FB}"/>
                 </a:ext>
               </a:extLst>
             </p:cNvPr>
-            <p:cNvSpPr>
-              <a:spLocks noChangeAspect="1"/>
-            </p:cNvSpPr>
+            <p:cNvSpPr/>
             <p:nvPr/>
           </p:nvSpPr>
           <p:spPr>
             <a:xfrm>
-              <a:off x="5781934" y="41076"/>
-              <a:ext cx="2880000" cy="2880000"/>
+              <a:off x="955439" y="-1687982"/>
+              <a:ext cx="10348686" cy="1915886"/>
             </a:xfrm>
-            <a:prstGeom prst="ellipse">
+            <a:prstGeom prst="rect">
               <a:avLst/>
             </a:prstGeom>
             <a:solidFill>
-              <a:srgbClr val="FD8D62">
-                <a:alpha val="50000"/>
-              </a:srgbClr>
+              <a:schemeClr val="bg1"/>
             </a:solidFill>
             <a:ln>
               <a:noFill/>
@@ -11530,210 +11715,258 @@
             <a:lstStyle/>
             <a:p>
               <a:pPr algn="ctr"/>
-              <a:endParaRPr lang="en-GB" dirty="0"/>
+              <a:r>
+                <a:rPr lang="en-GB" dirty="0"/>
+                <a:t>c</a:t>
+              </a:r>
+            </a:p>
+          </p:txBody>
+        </p:sp>
+        <p:pic>
+          <p:nvPicPr>
+            <p:cNvPr id="14" name="Picture 13">
+              <a:extLst>
+                <a:ext uri="{FF2B5EF4-FFF2-40B4-BE49-F238E27FC236}">
+                  <a16:creationId xmlns:a16="http://schemas.microsoft.com/office/drawing/2014/main" id="{04EB8BCE-5451-364C-A3B0-9CC18DED233A}"/>
+                </a:ext>
+              </a:extLst>
+            </p:cNvPr>
+            <p:cNvPicPr>
+              <a:picLocks noChangeAspect="1"/>
+            </p:cNvPicPr>
+            <p:nvPr/>
+          </p:nvPicPr>
+          <p:blipFill>
+            <a:blip r:embed="rId2"/>
+            <a:srcRect l="27005" r="27005"/>
+            <a:stretch/>
+          </p:blipFill>
+          <p:spPr>
+            <a:xfrm>
+              <a:off x="662776" y="-18439"/>
+              <a:ext cx="10882911" cy="953105"/>
+            </a:xfrm>
+            <a:prstGeom prst="rect">
+              <a:avLst/>
+            </a:prstGeom>
+          </p:spPr>
+        </p:pic>
+        <p:grpSp>
+          <p:nvGrpSpPr>
+            <p:cNvPr id="2" name="Group 1">
+              <a:extLst>
+                <a:ext uri="{FF2B5EF4-FFF2-40B4-BE49-F238E27FC236}">
+                  <a16:creationId xmlns:a16="http://schemas.microsoft.com/office/drawing/2014/main" id="{709734B6-D4F0-FF41-8995-F3BE06809690}"/>
+                </a:ext>
+              </a:extLst>
+            </p:cNvPr>
+            <p:cNvGrpSpPr/>
+            <p:nvPr/>
+          </p:nvGrpSpPr>
+          <p:grpSpPr>
+            <a:xfrm>
+              <a:off x="1037319" y="1269495"/>
+              <a:ext cx="10203502" cy="4828430"/>
+              <a:chOff x="1084617" y="954180"/>
+              <a:chExt cx="11437727" cy="5412482"/>
+            </a:xfrm>
+          </p:grpSpPr>
+          <p:pic>
+            <p:nvPicPr>
+              <p:cNvPr id="11" name="Picture 10">
+                <a:extLst>
+                  <a:ext uri="{FF2B5EF4-FFF2-40B4-BE49-F238E27FC236}">
+                    <a16:creationId xmlns:a16="http://schemas.microsoft.com/office/drawing/2014/main" id="{4F44D03F-3484-F84A-8FB1-55B397C20709}"/>
+                  </a:ext>
+                </a:extLst>
+              </p:cNvPr>
+              <p:cNvPicPr>
+                <a:picLocks noChangeAspect="1"/>
+              </p:cNvPicPr>
+              <p:nvPr/>
+            </p:nvPicPr>
+            <p:blipFill rotWithShape="1">
+              <a:blip r:embed="rId3"/>
+              <a:srcRect l="5816" t="12966" r="19631" b="12100"/>
+              <a:stretch/>
+            </p:blipFill>
+            <p:spPr>
+              <a:xfrm>
+                <a:off x="7177918" y="994965"/>
+                <a:ext cx="5344426" cy="5371697"/>
+              </a:xfrm>
+              <a:prstGeom prst="rect">
+                <a:avLst/>
+              </a:prstGeom>
+            </p:spPr>
+          </p:pic>
+          <p:pic>
+            <p:nvPicPr>
+              <p:cNvPr id="12" name="Picture 11">
+                <a:extLst>
+                  <a:ext uri="{FF2B5EF4-FFF2-40B4-BE49-F238E27FC236}">
+                    <a16:creationId xmlns:a16="http://schemas.microsoft.com/office/drawing/2014/main" id="{FE3E8692-2B14-9241-9990-73E7E2354347}"/>
+                  </a:ext>
+                </a:extLst>
+              </p:cNvPr>
+              <p:cNvPicPr>
+                <a:picLocks noChangeAspect="1"/>
+              </p:cNvPicPr>
+              <p:nvPr/>
+            </p:nvPicPr>
+            <p:blipFill rotWithShape="1">
+              <a:blip r:embed="rId4"/>
+              <a:srcRect l="5145" t="11526" r="18702" b="11980"/>
+              <a:stretch/>
+            </p:blipFill>
+            <p:spPr>
+              <a:xfrm>
+                <a:off x="1084617" y="954180"/>
+                <a:ext cx="5347714" cy="5371697"/>
+              </a:xfrm>
+              <a:prstGeom prst="rect">
+                <a:avLst/>
+              </a:prstGeom>
+            </p:spPr>
+          </p:pic>
+        </p:grpSp>
+        <p:sp>
+          <p:nvSpPr>
+            <p:cNvPr id="3" name="TextBox 2">
+              <a:extLst>
+                <a:ext uri="{FF2B5EF4-FFF2-40B4-BE49-F238E27FC236}">
+                  <a16:creationId xmlns:a16="http://schemas.microsoft.com/office/drawing/2014/main" id="{B62AD644-CD71-934B-BAF4-07C6CED84689}"/>
+                </a:ext>
+              </a:extLst>
+            </p:cNvPr>
+            <p:cNvSpPr txBox="1"/>
+            <p:nvPr/>
+          </p:nvSpPr>
+          <p:spPr>
+            <a:xfrm>
+              <a:off x="1659435" y="1010838"/>
+              <a:ext cx="3758401" cy="369332"/>
+            </a:xfrm>
+            <a:prstGeom prst="rect">
+              <a:avLst/>
+            </a:prstGeom>
+            <a:noFill/>
+          </p:spPr>
+          <p:txBody>
+            <a:bodyPr wrap="none" rtlCol="0">
+              <a:spAutoFit/>
+            </a:bodyPr>
+            <a:lstStyle/>
+            <a:p>
+              <a:r>
+                <a:rPr lang="en-GB" dirty="0">
+                  <a:latin typeface="Avenir Book" panose="02000503020000020003" pitchFamily="2" charset="0"/>
+                </a:rPr>
+                <a:t>Temporal difference learning  (TD) </a:t>
+              </a:r>
             </a:p>
           </p:txBody>
         </p:sp>
         <p:sp>
           <p:nvSpPr>
-            <p:cNvPr id="21" name="Oval 20">
+            <p:cNvPr id="16" name="TextBox 15">
               <a:extLst>
                 <a:ext uri="{FF2B5EF4-FFF2-40B4-BE49-F238E27FC236}">
-                  <a16:creationId xmlns:a16="http://schemas.microsoft.com/office/drawing/2014/main" id="{55EE2EEA-C62F-1E4E-A669-6A9ADCDFCB97}"/>
+                  <a16:creationId xmlns:a16="http://schemas.microsoft.com/office/drawing/2014/main" id="{16D3FC47-3A35-FB43-91A1-B53FFAFDAAF5}"/>
                 </a:ext>
               </a:extLst>
             </p:cNvPr>
-            <p:cNvSpPr>
-              <a:spLocks noChangeAspect="1"/>
-            </p:cNvSpPr>
+            <p:cNvSpPr txBox="1"/>
             <p:nvPr/>
           </p:nvSpPr>
           <p:spPr>
             <a:xfrm>
-              <a:off x="6321934" y="581076"/>
-              <a:ext cx="1800000" cy="1800000"/>
+              <a:off x="7494172" y="1006213"/>
+              <a:ext cx="2718373" cy="369332"/>
             </a:xfrm>
-            <a:prstGeom prst="ellipse">
+            <a:prstGeom prst="rect">
               <a:avLst/>
             </a:prstGeom>
-            <a:solidFill>
-              <a:srgbClr val="FD8D62">
-                <a:alpha val="50000"/>
-              </a:srgbClr>
-            </a:solidFill>
-            <a:ln>
-              <a:noFill/>
-            </a:ln>
+            <a:noFill/>
           </p:spPr>
-          <p:style>
-            <a:lnRef idx="2">
-              <a:schemeClr val="accent1">
-                <a:shade val="50000"/>
-              </a:schemeClr>
-            </a:lnRef>
-            <a:fillRef idx="1">
-              <a:schemeClr val="accent1"/>
-            </a:fillRef>
-            <a:effectRef idx="0">
-              <a:schemeClr val="accent1"/>
-            </a:effectRef>
-            <a:fontRef idx="minor">
-              <a:schemeClr val="lt1"/>
-            </a:fontRef>
-          </p:style>
           <p:txBody>
-            <a:bodyPr rtlCol="0" anchor="ctr"/>
+            <a:bodyPr wrap="none" rtlCol="0">
+              <a:spAutoFit/>
+            </a:bodyPr>
             <a:lstStyle/>
             <a:p>
-              <a:pPr algn="ctr"/>
-              <a:endParaRPr lang="en-GB" dirty="0"/>
+              <a:r>
+                <a:rPr lang="en-GB" dirty="0">
+                  <a:latin typeface="Avenir Book" panose="02000503020000020003" pitchFamily="2" charset="0"/>
+                </a:rPr>
+                <a:t>Hebbian learning (STDP)</a:t>
+              </a:r>
             </a:p>
           </p:txBody>
         </p:sp>
       </p:grpSp>
-      <p:sp>
-        <p:nvSpPr>
-          <p:cNvPr id="23" name="Rectangle 22">
+    </p:spTree>
+    <p:extLst>
+      <p:ext uri="{BB962C8B-B14F-4D97-AF65-F5344CB8AC3E}">
+        <p14:creationId xmlns:p14="http://schemas.microsoft.com/office/powerpoint/2010/main" val="2300953119"/>
+      </p:ext>
+    </p:extLst>
+  </p:cSld>
+  <p:clrMapOvr>
+    <a:masterClrMapping/>
+  </p:clrMapOvr>
+</p:sld>
+</file>
+
+<file path=ppt/slides/slide3.xml><?xml version="1.0" encoding="utf-8"?>
+<p:sld xmlns:a="http://schemas.openxmlformats.org/drawingml/2006/main" xmlns:r="http://schemas.openxmlformats.org/officeDocument/2006/relationships" xmlns:p="http://schemas.openxmlformats.org/presentationml/2006/main">
+  <p:cSld>
+    <p:spTree>
+      <p:nvGrpSpPr>
+        <p:cNvPr id="1" name=""/>
+        <p:cNvGrpSpPr/>
+        <p:nvPr/>
+      </p:nvGrpSpPr>
+      <p:grpSpPr>
+        <a:xfrm>
+          <a:off x="0" y="0"/>
+          <a:ext cx="0" cy="0"/>
+          <a:chOff x="0" y="0"/>
+          <a:chExt cx="0" cy="0"/>
+        </a:xfrm>
+      </p:grpSpPr>
+      <p:pic>
+        <p:nvPicPr>
+          <p:cNvPr id="5" name="Content Placeholder 4">
             <a:extLst>
               <a:ext uri="{FF2B5EF4-FFF2-40B4-BE49-F238E27FC236}">
-                <a16:creationId xmlns:a16="http://schemas.microsoft.com/office/drawing/2014/main" id="{094AC622-4B7F-C54B-9C9A-E8C9969FC41C}"/>
-              </a:ext>
-            </a:extLst>
-          </p:cNvPr>
-          <p:cNvSpPr/>
-          <p:nvPr/>
-        </p:nvSpPr>
-        <p:spPr>
-          <a:xfrm>
-            <a:off x="986971" y="1698171"/>
-            <a:ext cx="10348686" cy="1915886"/>
-          </a:xfrm>
-          <a:prstGeom prst="rect">
-            <a:avLst/>
-          </a:prstGeom>
-          <a:solidFill>
-            <a:schemeClr val="bg1"/>
-          </a:solidFill>
-          <a:ln>
-            <a:noFill/>
-          </a:ln>
-        </p:spPr>
-        <p:style>
-          <a:lnRef idx="2">
-            <a:schemeClr val="accent1">
-              <a:shade val="50000"/>
-            </a:schemeClr>
-          </a:lnRef>
-          <a:fillRef idx="1">
-            <a:schemeClr val="accent1"/>
-          </a:fillRef>
-          <a:effectRef idx="0">
-            <a:schemeClr val="accent1"/>
-          </a:effectRef>
-          <a:fontRef idx="minor">
-            <a:schemeClr val="lt1"/>
-          </a:fontRef>
-        </p:style>
-        <p:txBody>
-          <a:bodyPr rtlCol="0" anchor="ctr"/>
-          <a:lstStyle/>
-          <a:p>
-            <a:pPr algn="ctr"/>
-            <a:r>
-              <a:rPr lang="en-GB" dirty="0"/>
-              <a:t>c</a:t>
-            </a:r>
-          </a:p>
-        </p:txBody>
-      </p:sp>
-      <p:sp>
-        <p:nvSpPr>
-          <p:cNvPr id="25" name="Rectangle 24">
-            <a:extLst>
-              <a:ext uri="{FF2B5EF4-FFF2-40B4-BE49-F238E27FC236}">
-                <a16:creationId xmlns:a16="http://schemas.microsoft.com/office/drawing/2014/main" id="{6B3408A2-DD1A-8E4D-AEEE-67D5E8A5B3FB}"/>
-              </a:ext>
-            </a:extLst>
-          </p:cNvPr>
-          <p:cNvSpPr/>
-          <p:nvPr/>
-        </p:nvSpPr>
-        <p:spPr>
-          <a:xfrm>
-            <a:off x="986971" y="-663219"/>
-            <a:ext cx="10348686" cy="1915886"/>
-          </a:xfrm>
-          <a:prstGeom prst="rect">
-            <a:avLst/>
-          </a:prstGeom>
-          <a:solidFill>
-            <a:schemeClr val="bg1"/>
-          </a:solidFill>
-          <a:ln>
-            <a:noFill/>
-          </a:ln>
-        </p:spPr>
-        <p:style>
-          <a:lnRef idx="2">
-            <a:schemeClr val="accent1">
-              <a:shade val="50000"/>
-            </a:schemeClr>
-          </a:lnRef>
-          <a:fillRef idx="1">
-            <a:schemeClr val="accent1"/>
-          </a:fillRef>
-          <a:effectRef idx="0">
-            <a:schemeClr val="accent1"/>
-          </a:effectRef>
-          <a:fontRef idx="minor">
-            <a:schemeClr val="lt1"/>
-          </a:fontRef>
-        </p:style>
-        <p:txBody>
-          <a:bodyPr rtlCol="0" anchor="ctr"/>
-          <a:lstStyle/>
-          <a:p>
-            <a:pPr algn="ctr"/>
-            <a:r>
-              <a:rPr lang="en-GB" dirty="0"/>
-              <a:t>c</a:t>
-            </a:r>
-          </a:p>
-        </p:txBody>
-      </p:sp>
-      <p:pic>
-        <p:nvPicPr>
-          <p:cNvPr id="14" name="Picture 13">
-            <a:extLst>
-              <a:ext uri="{FF2B5EF4-FFF2-40B4-BE49-F238E27FC236}">
-                <a16:creationId xmlns:a16="http://schemas.microsoft.com/office/drawing/2014/main" id="{04EB8BCE-5451-364C-A3B0-9CC18DED233A}"/>
+                <a16:creationId xmlns:a16="http://schemas.microsoft.com/office/drawing/2014/main" id="{D8E646AC-FC14-D24E-97BB-1ADD63F12587}"/>
               </a:ext>
             </a:extLst>
           </p:cNvPr>
           <p:cNvPicPr>
-            <a:picLocks noChangeAspect="1"/>
+            <a:picLocks noGrp="1" noChangeAspect="1"/>
           </p:cNvPicPr>
-          <p:nvPr/>
+          <p:nvPr>
+            <p:ph idx="1"/>
+          </p:nvPr>
         </p:nvPicPr>
-        <p:blipFill>
+        <p:blipFill rotWithShape="1">
           <a:blip r:embed="rId2"/>
-          <a:srcRect l="27005" r="27005"/>
+          <a:srcRect t="22488"/>
           <a:stretch/>
         </p:blipFill>
         <p:spPr>
           <a:xfrm>
-            <a:off x="694308" y="1006324"/>
-            <a:ext cx="10882911" cy="953105"/>
+            <a:off x="2404082" y="1666239"/>
+            <a:ext cx="6083355" cy="3372803"/>
           </a:xfrm>
-          <a:prstGeom prst="rect">
-            <a:avLst/>
-          </a:prstGeom>
         </p:spPr>
       </p:pic>
     </p:spTree>
     <p:extLst>
       <p:ext uri="{BB962C8B-B14F-4D97-AF65-F5344CB8AC3E}">
-        <p14:creationId xmlns:p14="http://schemas.microsoft.com/office/powerpoint/2010/main" val="2300953119"/>
+        <p14:creationId xmlns:p14="http://schemas.microsoft.com/office/powerpoint/2010/main" val="4112593664"/>
       </p:ext>
     </p:extLst>
   </p:cSld>
